--- a/mpayments-help/mpayments-help-repo-rest/src/main/resources/template.pptx
+++ b/mpayments-help/mpayments-help-repo-rest/src/main/resources/template.pptx
@@ -710,6 +710,1401 @@
     <p:extLst>
       <p:ext uri="{BB962C8B-B14F-4D97-AF65-F5344CB8AC3E}">
         <p14:creationId xmlns:p14="http://schemas.microsoft.com/office/powerpoint/2010/main" val="1894715776"/>
+      </p:ext>
+    </p:extLst>
+  </p:cSld>
+  <p:clrMapOvr>
+    <a:masterClrMapping/>
+  </p:clrMapOvr>
+</p:notes>
+</file>
+
+<file path=ppt/notesSlides/notesSlide2.xml><?xml version="1.0" encoding="utf-8"?>
+<p:notes xmlns:a="http://schemas.openxmlformats.org/drawingml/2006/main" xmlns:r="http://schemas.openxmlformats.org/officeDocument/2006/relationships" xmlns:p="http://schemas.openxmlformats.org/presentationml/2006/main">
+  <p:cSld>
+    <p:spTree>
+      <p:nvGrpSpPr>
+        <p:cNvPr id="1" name=""/>
+        <p:cNvGrpSpPr/>
+        <p:nvPr/>
+      </p:nvGrpSpPr>
+      <p:grpSpPr>
+        <a:xfrm>
+          <a:off x="0" y="0"/>
+          <a:ext cx="0" cy="0"/>
+          <a:chOff x="0" y="0"/>
+          <a:chExt cx="0" cy="0"/>
+        </a:xfrm>
+      </p:grpSpPr>
+      <p:sp>
+        <p:nvSpPr>
+          <p:cNvPr id="2" name="Slide Image Placeholder 1"/>
+          <p:cNvSpPr>
+            <a:spLocks noGrp="1" noRot="1" noChangeAspect="1"/>
+          </p:cNvSpPr>
+          <p:nvPr>
+            <p:ph type="sldImg"/>
+          </p:nvPr>
+        </p:nvSpPr>
+        <p:spPr/>
+      </p:sp>
+      <p:sp>
+        <p:nvSpPr>
+          <p:cNvPr id="3" name="Notes Placeholder 2"/>
+          <p:cNvSpPr>
+            <a:spLocks noGrp="1"/>
+          </p:cNvSpPr>
+          <p:nvPr>
+            <p:ph type="body" idx="1"/>
+          </p:nvPr>
+        </p:nvSpPr>
+        <p:spPr/>
+        <p:txBody>
+          <a:bodyPr/>
+          <a:lstStyle/>
+          <a:p>
+            <a:r>
+              <a:rPr lang="en-US" dirty="0" smtClean="0">
+                <a:solidFill>
+                  <a:schemeClr val="bg1">
+                    <a:lumMod val="50000"/>
+                  </a:schemeClr>
+                </a:solidFill>
+              </a:rPr>
+              <a:t>CMS – </a:t>
+            </a:r>
+            <a:r>
+              <a:rPr lang="en-US" dirty="0" err="1" smtClean="0">
+                <a:solidFill>
+                  <a:schemeClr val="bg1">
+                    <a:lumMod val="50000"/>
+                  </a:schemeClr>
+                </a:solidFill>
+              </a:rPr>
+              <a:t>lak</a:t>
+            </a:r>
+            <a:r>
+              <a:rPr lang="en-US" baseline="0" dirty="0" smtClean="0">
+                <a:solidFill>
+                  <a:schemeClr val="bg1">
+                    <a:lumMod val="50000"/>
+                  </a:schemeClr>
+                </a:solidFill>
+              </a:rPr>
+              <a:t> </a:t>
+            </a:r>
+            <a:r>
+              <a:rPr lang="en-US" baseline="0" dirty="0" err="1" smtClean="0">
+                <a:solidFill>
+                  <a:schemeClr val="bg1">
+                    <a:lumMod val="50000"/>
+                  </a:schemeClr>
+                </a:solidFill>
+              </a:rPr>
+              <a:t>za</a:t>
+            </a:r>
+            <a:r>
+              <a:rPr lang="en-US" baseline="0" dirty="0" smtClean="0">
+                <a:solidFill>
+                  <a:schemeClr val="bg1">
+                    <a:lumMod val="50000"/>
+                  </a:schemeClr>
+                </a:solidFill>
+              </a:rPr>
+              <a:t> </a:t>
+            </a:r>
+            <a:r>
+              <a:rPr lang="en-US" baseline="0" dirty="0" err="1" smtClean="0">
+                <a:solidFill>
+                  <a:schemeClr val="bg1">
+                    <a:lumMod val="50000"/>
+                  </a:schemeClr>
+                </a:solidFill>
+              </a:rPr>
+              <a:t>odrzavanje</a:t>
+            </a:r>
+            <a:r>
+              <a:rPr lang="en-US" baseline="0" dirty="0" smtClean="0">
+                <a:solidFill>
+                  <a:schemeClr val="bg1">
+                    <a:lumMod val="50000"/>
+                  </a:schemeClr>
+                </a:solidFill>
+              </a:rPr>
+              <a:t> (web </a:t>
+            </a:r>
+            <a:r>
+              <a:rPr lang="en-US" baseline="0" dirty="0" err="1" smtClean="0">
+                <a:solidFill>
+                  <a:schemeClr val="bg1">
+                    <a:lumMod val="50000"/>
+                  </a:schemeClr>
+                </a:solidFill>
+              </a:rPr>
+              <a:t>administracija</a:t>
+            </a:r>
+            <a:r>
+              <a:rPr lang="en-US" baseline="0" dirty="0" smtClean="0">
+                <a:solidFill>
+                  <a:schemeClr val="bg1">
+                    <a:lumMod val="50000"/>
+                  </a:schemeClr>
+                </a:solidFill>
+              </a:rPr>
+              <a:t> – to je </a:t>
+            </a:r>
+            <a:r>
+              <a:rPr lang="en-US" baseline="0" dirty="0" err="1" smtClean="0">
+                <a:solidFill>
+                  <a:schemeClr val="bg1">
+                    <a:lumMod val="50000"/>
+                  </a:schemeClr>
+                </a:solidFill>
+              </a:rPr>
+              <a:t>ovo</a:t>
+            </a:r>
+            <a:r>
+              <a:rPr lang="en-US" baseline="0" dirty="0" smtClean="0">
+                <a:solidFill>
+                  <a:schemeClr val="bg1">
+                    <a:lumMod val="50000"/>
+                  </a:schemeClr>
+                </a:solidFill>
+              </a:rPr>
+              <a:t> </a:t>
+            </a:r>
+            <a:r>
+              <a:rPr lang="en-US" baseline="0" dirty="0" err="1" smtClean="0">
+                <a:solidFill>
+                  <a:schemeClr val="bg1">
+                    <a:lumMod val="50000"/>
+                  </a:schemeClr>
+                </a:solidFill>
+              </a:rPr>
+              <a:t>sto</a:t>
+            </a:r>
+            <a:r>
+              <a:rPr lang="en-US" baseline="0" dirty="0" smtClean="0">
+                <a:solidFill>
+                  <a:schemeClr val="bg1">
+                    <a:lumMod val="50000"/>
+                  </a:schemeClr>
+                </a:solidFill>
+              </a:rPr>
+              <a:t> </a:t>
+            </a:r>
+            <a:r>
+              <a:rPr lang="en-US" baseline="0" dirty="0" err="1" smtClean="0">
+                <a:solidFill>
+                  <a:schemeClr val="bg1">
+                    <a:lumMod val="50000"/>
+                  </a:schemeClr>
+                </a:solidFill>
+              </a:rPr>
+              <a:t>imamo</a:t>
+            </a:r>
+            <a:r>
+              <a:rPr lang="en-US" baseline="0" dirty="0" smtClean="0">
+                <a:solidFill>
+                  <a:schemeClr val="bg1">
+                    <a:lumMod val="50000"/>
+                  </a:schemeClr>
+                </a:solidFill>
+              </a:rPr>
+              <a:t>), </a:t>
+            </a:r>
+            <a:r>
+              <a:rPr lang="en-US" baseline="0" dirty="0" err="1" smtClean="0">
+                <a:solidFill>
+                  <a:schemeClr val="bg1">
+                    <a:lumMod val="50000"/>
+                  </a:schemeClr>
+                </a:solidFill>
+              </a:rPr>
+              <a:t>dodavanje</a:t>
+            </a:r>
+            <a:r>
+              <a:rPr lang="en-US" baseline="0" dirty="0" smtClean="0">
+                <a:solidFill>
+                  <a:schemeClr val="bg1">
+                    <a:lumMod val="50000"/>
+                  </a:schemeClr>
+                </a:solidFill>
+              </a:rPr>
+              <a:t>, </a:t>
+            </a:r>
+            <a:r>
+              <a:rPr lang="en-US" baseline="0" dirty="0" err="1" smtClean="0">
+                <a:solidFill>
+                  <a:schemeClr val="bg1">
+                    <a:lumMod val="50000"/>
+                  </a:schemeClr>
+                </a:solidFill>
+              </a:rPr>
+              <a:t>menjanje</a:t>
+            </a:r>
+            <a:r>
+              <a:rPr lang="en-US" baseline="0" dirty="0" smtClean="0">
+                <a:solidFill>
+                  <a:schemeClr val="bg1">
+                    <a:lumMod val="50000"/>
+                  </a:schemeClr>
+                </a:solidFill>
+              </a:rPr>
+              <a:t>, </a:t>
+            </a:r>
+            <a:r>
+              <a:rPr lang="en-US" baseline="0" dirty="0" err="1" smtClean="0">
+                <a:solidFill>
+                  <a:schemeClr val="bg1">
+                    <a:lumMod val="50000"/>
+                  </a:schemeClr>
+                </a:solidFill>
+              </a:rPr>
+              <a:t>struktuiranje</a:t>
+            </a:r>
+            <a:r>
+              <a:rPr lang="en-US" baseline="0" dirty="0" smtClean="0">
+                <a:solidFill>
+                  <a:schemeClr val="bg1">
+                    <a:lumMod val="50000"/>
+                  </a:schemeClr>
+                </a:solidFill>
+              </a:rPr>
+              <a:t>…</a:t>
+            </a:r>
+            <a:endParaRPr lang="en-US" dirty="0" smtClean="0">
+              <a:solidFill>
+                <a:schemeClr val="bg1">
+                  <a:lumMod val="50000"/>
+                </a:schemeClr>
+              </a:solidFill>
+            </a:endParaRPr>
+          </a:p>
+          <a:p>
+            <a:r>
+              <a:rPr lang="en-US" dirty="0" smtClean="0">
+                <a:solidFill>
+                  <a:schemeClr val="bg1">
+                    <a:lumMod val="50000"/>
+                  </a:schemeClr>
+                </a:solidFill>
+              </a:rPr>
+              <a:t>API-</a:t>
+            </a:r>
+            <a:r>
+              <a:rPr lang="en-US" dirty="0" err="1" smtClean="0">
+                <a:solidFill>
+                  <a:schemeClr val="bg1">
+                    <a:lumMod val="50000"/>
+                  </a:schemeClr>
+                </a:solidFill>
+              </a:rPr>
+              <a:t>api</a:t>
+            </a:r>
+            <a:r>
+              <a:rPr lang="en-US" dirty="0" smtClean="0">
+                <a:solidFill>
+                  <a:schemeClr val="bg1">
+                    <a:lumMod val="50000"/>
+                  </a:schemeClr>
+                </a:solidFill>
+              </a:rPr>
+              <a:t> </a:t>
+            </a:r>
+            <a:r>
+              <a:rPr lang="en-US" dirty="0" err="1" smtClean="0">
+                <a:solidFill>
+                  <a:schemeClr val="bg1">
+                    <a:lumMod val="50000"/>
+                  </a:schemeClr>
+                </a:solidFill>
+              </a:rPr>
+              <a:t>pristup</a:t>
+            </a:r>
+            <a:r>
+              <a:rPr lang="en-US" dirty="0" smtClean="0">
+                <a:solidFill>
+                  <a:schemeClr val="bg1">
+                    <a:lumMod val="50000"/>
+                  </a:schemeClr>
+                </a:solidFill>
+              </a:rPr>
+              <a:t> </a:t>
+            </a:r>
+            <a:r>
+              <a:rPr lang="en-US" dirty="0" err="1" smtClean="0">
+                <a:solidFill>
+                  <a:schemeClr val="bg1">
+                    <a:lumMod val="50000"/>
+                  </a:schemeClr>
+                </a:solidFill>
+              </a:rPr>
+              <a:t>stranama</a:t>
+            </a:r>
+            <a:r>
+              <a:rPr lang="en-US" baseline="0" dirty="0" smtClean="0">
+                <a:solidFill>
+                  <a:schemeClr val="bg1">
+                    <a:lumMod val="50000"/>
+                  </a:schemeClr>
+                </a:solidFill>
+              </a:rPr>
+              <a:t> </a:t>
+            </a:r>
+            <a:r>
+              <a:rPr lang="en-US" baseline="0" dirty="0" err="1" smtClean="0">
+                <a:solidFill>
+                  <a:schemeClr val="bg1">
+                    <a:lumMod val="50000"/>
+                  </a:schemeClr>
+                </a:solidFill>
+              </a:rPr>
+              <a:t>i</a:t>
+            </a:r>
+            <a:r>
+              <a:rPr lang="en-US" baseline="0" dirty="0" smtClean="0">
+                <a:solidFill>
+                  <a:schemeClr val="bg1">
+                    <a:lumMod val="50000"/>
+                  </a:schemeClr>
+                </a:solidFill>
+              </a:rPr>
+              <a:t> </a:t>
+            </a:r>
+            <a:r>
+              <a:rPr lang="en-US" baseline="0" dirty="0" err="1" smtClean="0">
+                <a:solidFill>
+                  <a:schemeClr val="bg1">
+                    <a:lumMod val="50000"/>
+                  </a:schemeClr>
+                </a:solidFill>
+              </a:rPr>
+              <a:t>delovima</a:t>
+            </a:r>
+            <a:r>
+              <a:rPr lang="en-US" baseline="0" dirty="0" smtClean="0">
+                <a:solidFill>
+                  <a:schemeClr val="bg1">
+                    <a:lumMod val="50000"/>
+                  </a:schemeClr>
+                </a:solidFill>
+              </a:rPr>
+              <a:t> </a:t>
+            </a:r>
+            <a:r>
+              <a:rPr lang="en-US" baseline="0" dirty="0" err="1" smtClean="0">
+                <a:solidFill>
+                  <a:schemeClr val="bg1">
+                    <a:lumMod val="50000"/>
+                  </a:schemeClr>
+                </a:solidFill>
+              </a:rPr>
+              <a:t>strane</a:t>
+            </a:r>
+            <a:endParaRPr lang="en-US" dirty="0" smtClean="0">
+              <a:solidFill>
+                <a:schemeClr val="bg1">
+                  <a:lumMod val="50000"/>
+                </a:schemeClr>
+              </a:solidFill>
+            </a:endParaRPr>
+          </a:p>
+          <a:p>
+            <a:r>
+              <a:rPr lang="en-US" dirty="0" smtClean="0">
+                <a:solidFill>
+                  <a:schemeClr val="bg1">
+                    <a:lumMod val="50000"/>
+                  </a:schemeClr>
+                </a:solidFill>
+              </a:rPr>
+              <a:t>Multi language</a:t>
+            </a:r>
+          </a:p>
+          <a:p>
+            <a:r>
+              <a:rPr lang="en-US" dirty="0" smtClean="0">
+                <a:solidFill>
+                  <a:schemeClr val="bg1">
+                    <a:lumMod val="50000"/>
+                  </a:schemeClr>
+                </a:solidFill>
+              </a:rPr>
+              <a:t>Template – </a:t>
+            </a:r>
+            <a:r>
+              <a:rPr lang="en-US" dirty="0" err="1" smtClean="0">
+                <a:solidFill>
+                  <a:schemeClr val="bg1">
+                    <a:lumMod val="50000"/>
+                  </a:schemeClr>
+                </a:solidFill>
+              </a:rPr>
+              <a:t>mogucnost</a:t>
+            </a:r>
+            <a:r>
+              <a:rPr lang="en-US" dirty="0" smtClean="0">
+                <a:solidFill>
+                  <a:schemeClr val="bg1">
+                    <a:lumMod val="50000"/>
+                  </a:schemeClr>
+                </a:solidFill>
+              </a:rPr>
+              <a:t> </a:t>
+            </a:r>
+            <a:r>
+              <a:rPr lang="en-US" dirty="0" err="1" smtClean="0">
+                <a:solidFill>
+                  <a:schemeClr val="bg1">
+                    <a:lumMod val="50000"/>
+                  </a:schemeClr>
+                </a:solidFill>
+              </a:rPr>
+              <a:t>templejtovanja</a:t>
+            </a:r>
+            <a:r>
+              <a:rPr lang="en-US" baseline="0" dirty="0" smtClean="0">
+                <a:solidFill>
+                  <a:schemeClr val="bg1">
+                    <a:lumMod val="50000"/>
+                  </a:schemeClr>
+                </a:solidFill>
+              </a:rPr>
+              <a:t> </a:t>
+            </a:r>
+            <a:r>
+              <a:rPr lang="en-US" baseline="0" dirty="0" err="1" smtClean="0">
+                <a:solidFill>
+                  <a:schemeClr val="bg1">
+                    <a:lumMod val="50000"/>
+                  </a:schemeClr>
+                </a:solidFill>
+              </a:rPr>
+              <a:t>strana</a:t>
+            </a:r>
+            <a:endParaRPr lang="en-US" dirty="0" smtClean="0">
+              <a:solidFill>
+                <a:schemeClr val="bg1">
+                  <a:lumMod val="50000"/>
+                </a:schemeClr>
+              </a:solidFill>
+            </a:endParaRPr>
+          </a:p>
+          <a:p>
+            <a:r>
+              <a:rPr lang="en-US" dirty="0" smtClean="0">
+                <a:solidFill>
+                  <a:schemeClr val="bg1">
+                    <a:lumMod val="50000"/>
+                  </a:schemeClr>
+                </a:solidFill>
+              </a:rPr>
+              <a:t>Resellers – </a:t>
+            </a:r>
+            <a:r>
+              <a:rPr lang="en-US" dirty="0" err="1" smtClean="0">
+                <a:solidFill>
+                  <a:schemeClr val="bg1">
+                    <a:lumMod val="50000"/>
+                  </a:schemeClr>
+                </a:solidFill>
+              </a:rPr>
+              <a:t>za</a:t>
+            </a:r>
+            <a:r>
+              <a:rPr lang="en-US" dirty="0" smtClean="0">
+                <a:solidFill>
+                  <a:schemeClr val="bg1">
+                    <a:lumMod val="50000"/>
+                  </a:schemeClr>
+                </a:solidFill>
+              </a:rPr>
+              <a:t> </a:t>
+            </a:r>
+            <a:r>
+              <a:rPr lang="en-US" dirty="0" err="1" smtClean="0">
+                <a:solidFill>
+                  <a:schemeClr val="bg1">
+                    <a:lumMod val="50000"/>
+                  </a:schemeClr>
+                </a:solidFill>
+              </a:rPr>
+              <a:t>svakog</a:t>
+            </a:r>
+            <a:r>
+              <a:rPr lang="en-US" dirty="0" smtClean="0">
+                <a:solidFill>
+                  <a:schemeClr val="bg1">
+                    <a:lumMod val="50000"/>
+                  </a:schemeClr>
+                </a:solidFill>
+              </a:rPr>
+              <a:t> </a:t>
+            </a:r>
+            <a:r>
+              <a:rPr lang="en-US" dirty="0" err="1" smtClean="0">
+                <a:solidFill>
+                  <a:schemeClr val="bg1">
+                    <a:lumMod val="50000"/>
+                  </a:schemeClr>
+                </a:solidFill>
+              </a:rPr>
+              <a:t>resellera</a:t>
+            </a:r>
+            <a:r>
+              <a:rPr lang="en-US" dirty="0" smtClean="0">
+                <a:solidFill>
+                  <a:schemeClr val="bg1">
+                    <a:lumMod val="50000"/>
+                  </a:schemeClr>
+                </a:solidFill>
+              </a:rPr>
+              <a:t> </a:t>
+            </a:r>
+            <a:r>
+              <a:rPr lang="en-US" dirty="0" err="1" smtClean="0">
+                <a:solidFill>
+                  <a:schemeClr val="bg1">
+                    <a:lumMod val="50000"/>
+                  </a:schemeClr>
+                </a:solidFill>
+              </a:rPr>
+              <a:t>treba</a:t>
+            </a:r>
+            <a:r>
+              <a:rPr lang="en-US" dirty="0" smtClean="0">
+                <a:solidFill>
+                  <a:schemeClr val="bg1">
+                    <a:lumMod val="50000"/>
+                  </a:schemeClr>
+                </a:solidFill>
+              </a:rPr>
+              <a:t> da </a:t>
+            </a:r>
+            <a:r>
+              <a:rPr lang="en-US" dirty="0" err="1" smtClean="0">
+                <a:solidFill>
+                  <a:schemeClr val="bg1">
+                    <a:lumMod val="50000"/>
+                  </a:schemeClr>
+                </a:solidFill>
+              </a:rPr>
+              <a:t>moze</a:t>
+            </a:r>
+            <a:r>
+              <a:rPr lang="en-US" dirty="0" smtClean="0">
+                <a:solidFill>
+                  <a:schemeClr val="bg1">
+                    <a:lumMod val="50000"/>
+                  </a:schemeClr>
+                </a:solidFill>
+              </a:rPr>
+              <a:t> da se </a:t>
+            </a:r>
+            <a:r>
+              <a:rPr lang="en-US" dirty="0" err="1" smtClean="0">
+                <a:solidFill>
+                  <a:schemeClr val="bg1">
+                    <a:lumMod val="50000"/>
+                  </a:schemeClr>
+                </a:solidFill>
+              </a:rPr>
+              <a:t>naprave</a:t>
+            </a:r>
+            <a:r>
+              <a:rPr lang="en-US" dirty="0" smtClean="0">
+                <a:solidFill>
+                  <a:schemeClr val="bg1">
+                    <a:lumMod val="50000"/>
+                  </a:schemeClr>
+                </a:solidFill>
+              </a:rPr>
+              <a:t> </a:t>
+            </a:r>
+            <a:r>
+              <a:rPr lang="en-US" dirty="0" err="1" smtClean="0">
+                <a:solidFill>
+                  <a:schemeClr val="bg1">
+                    <a:lumMod val="50000"/>
+                  </a:schemeClr>
+                </a:solidFill>
+              </a:rPr>
+              <a:t>specijalne</a:t>
+            </a:r>
+            <a:r>
+              <a:rPr lang="en-US" baseline="0" dirty="0" smtClean="0">
+                <a:solidFill>
+                  <a:schemeClr val="bg1">
+                    <a:lumMod val="50000"/>
+                  </a:schemeClr>
+                </a:solidFill>
+              </a:rPr>
+              <a:t> </a:t>
+            </a:r>
+            <a:r>
+              <a:rPr lang="en-US" baseline="0" dirty="0" err="1" smtClean="0">
+                <a:solidFill>
+                  <a:schemeClr val="bg1">
+                    <a:lumMod val="50000"/>
+                  </a:schemeClr>
+                </a:solidFill>
+              </a:rPr>
+              <a:t>strane</a:t>
+            </a:r>
+            <a:r>
+              <a:rPr lang="en-US" baseline="0" dirty="0" smtClean="0">
+                <a:solidFill>
+                  <a:schemeClr val="bg1">
+                    <a:lumMod val="50000"/>
+                  </a:schemeClr>
+                </a:solidFill>
+              </a:rPr>
+              <a:t>.</a:t>
+            </a:r>
+            <a:r>
+              <a:rPr lang="en-US" dirty="0" smtClean="0">
+                <a:solidFill>
+                  <a:schemeClr val="bg1">
+                    <a:lumMod val="50000"/>
+                  </a:schemeClr>
+                </a:solidFill>
+              </a:rPr>
+              <a:t> </a:t>
+            </a:r>
+          </a:p>
+          <a:p>
+            <a:r>
+              <a:rPr lang="en-US" dirty="0" smtClean="0">
+                <a:solidFill>
+                  <a:schemeClr val="bg1">
+                    <a:lumMod val="50000"/>
+                  </a:schemeClr>
+                </a:solidFill>
+              </a:rPr>
+              <a:t>Help site – </a:t>
+            </a:r>
+            <a:r>
+              <a:rPr lang="en-US" dirty="0" err="1" smtClean="0">
+                <a:solidFill>
+                  <a:schemeClr val="bg1">
+                    <a:lumMod val="50000"/>
+                  </a:schemeClr>
+                </a:solidFill>
+              </a:rPr>
+              <a:t>koji</a:t>
+            </a:r>
+            <a:r>
+              <a:rPr lang="en-US" dirty="0" smtClean="0">
+                <a:solidFill>
+                  <a:schemeClr val="bg1">
+                    <a:lumMod val="50000"/>
+                  </a:schemeClr>
+                </a:solidFill>
+              </a:rPr>
+              <a:t> </a:t>
+            </a:r>
+            <a:r>
+              <a:rPr lang="en-US" dirty="0" err="1" smtClean="0">
+                <a:solidFill>
+                  <a:schemeClr val="bg1">
+                    <a:lumMod val="50000"/>
+                  </a:schemeClr>
+                </a:solidFill>
+              </a:rPr>
+              <a:t>ce</a:t>
+            </a:r>
+            <a:r>
+              <a:rPr lang="en-US" dirty="0" smtClean="0">
+                <a:solidFill>
+                  <a:schemeClr val="bg1">
+                    <a:lumMod val="50000"/>
+                  </a:schemeClr>
+                </a:solidFill>
+              </a:rPr>
+              <a:t> </a:t>
+            </a:r>
+            <a:r>
+              <a:rPr lang="en-US" dirty="0" err="1" smtClean="0">
+                <a:solidFill>
+                  <a:schemeClr val="bg1">
+                    <a:lumMod val="50000"/>
+                  </a:schemeClr>
+                </a:solidFill>
+              </a:rPr>
+              <a:t>prikazivati</a:t>
+            </a:r>
+            <a:r>
+              <a:rPr lang="en-US" dirty="0" smtClean="0">
+                <a:solidFill>
+                  <a:schemeClr val="bg1">
+                    <a:lumMod val="50000"/>
+                  </a:schemeClr>
+                </a:solidFill>
+              </a:rPr>
+              <a:t> </a:t>
+            </a:r>
+            <a:r>
+              <a:rPr lang="en-US" dirty="0" err="1" smtClean="0">
+                <a:solidFill>
+                  <a:schemeClr val="bg1">
+                    <a:lumMod val="50000"/>
+                  </a:schemeClr>
+                </a:solidFill>
+              </a:rPr>
+              <a:t>te</a:t>
+            </a:r>
+            <a:r>
+              <a:rPr lang="en-US" dirty="0" smtClean="0">
+                <a:solidFill>
+                  <a:schemeClr val="bg1">
+                    <a:lumMod val="50000"/>
+                  </a:schemeClr>
+                </a:solidFill>
+              </a:rPr>
+              <a:t> </a:t>
+            </a:r>
+            <a:r>
+              <a:rPr lang="en-US" dirty="0" err="1" smtClean="0">
+                <a:solidFill>
+                  <a:schemeClr val="bg1">
+                    <a:lumMod val="50000"/>
+                  </a:schemeClr>
+                </a:solidFill>
+              </a:rPr>
+              <a:t>sadrzaje</a:t>
+            </a:r>
+            <a:r>
+              <a:rPr lang="en-US" dirty="0" smtClean="0">
+                <a:solidFill>
+                  <a:schemeClr val="bg1">
+                    <a:lumMod val="50000"/>
+                  </a:schemeClr>
+                </a:solidFill>
+              </a:rPr>
+              <a:t> </a:t>
+            </a:r>
+            <a:r>
+              <a:rPr lang="en-US" dirty="0" err="1" smtClean="0">
+                <a:solidFill>
+                  <a:schemeClr val="bg1">
+                    <a:lumMod val="50000"/>
+                  </a:schemeClr>
+                </a:solidFill>
+              </a:rPr>
+              <a:t>sa</a:t>
+            </a:r>
+            <a:r>
+              <a:rPr lang="en-US" dirty="0" smtClean="0">
+                <a:solidFill>
+                  <a:schemeClr val="bg1">
+                    <a:lumMod val="50000"/>
+                  </a:schemeClr>
+                </a:solidFill>
+              </a:rPr>
+              <a:t> </a:t>
+            </a:r>
+            <a:r>
+              <a:rPr lang="en-US" dirty="0" err="1" smtClean="0">
+                <a:solidFill>
+                  <a:schemeClr val="bg1">
+                    <a:lumMod val="50000"/>
+                  </a:schemeClr>
+                </a:solidFill>
+              </a:rPr>
+              <a:t>stablom</a:t>
+            </a:r>
+            <a:r>
+              <a:rPr lang="en-US" baseline="0" dirty="0" smtClean="0">
+                <a:solidFill>
+                  <a:schemeClr val="bg1">
+                    <a:lumMod val="50000"/>
+                  </a:schemeClr>
+                </a:solidFill>
+              </a:rPr>
+              <a:t> – </a:t>
+            </a:r>
+            <a:r>
+              <a:rPr lang="en-US" baseline="0" dirty="0" err="1" smtClean="0">
+                <a:solidFill>
+                  <a:schemeClr val="bg1">
+                    <a:lumMod val="50000"/>
+                  </a:schemeClr>
+                </a:solidFill>
+              </a:rPr>
+              <a:t>varijacija</a:t>
+            </a:r>
+            <a:r>
+              <a:rPr lang="en-US" baseline="0" dirty="0" smtClean="0">
+                <a:solidFill>
+                  <a:schemeClr val="bg1">
+                    <a:lumMod val="50000"/>
+                  </a:schemeClr>
+                </a:solidFill>
+              </a:rPr>
+              <a:t> </a:t>
+            </a:r>
+            <a:r>
+              <a:rPr lang="en-US" baseline="0" dirty="0" err="1" smtClean="0">
+                <a:solidFill>
+                  <a:schemeClr val="bg1">
+                    <a:lumMod val="50000"/>
+                  </a:schemeClr>
+                </a:solidFill>
+              </a:rPr>
+              <a:t>ovoga</a:t>
+            </a:r>
+            <a:r>
+              <a:rPr lang="en-US" baseline="0" dirty="0" smtClean="0">
+                <a:solidFill>
+                  <a:schemeClr val="bg1">
+                    <a:lumMod val="50000"/>
+                  </a:schemeClr>
+                </a:solidFill>
+              </a:rPr>
+              <a:t> </a:t>
+            </a:r>
+            <a:r>
+              <a:rPr lang="en-US" baseline="0" dirty="0" err="1" smtClean="0">
+                <a:solidFill>
+                  <a:schemeClr val="bg1">
+                    <a:lumMod val="50000"/>
+                  </a:schemeClr>
+                </a:solidFill>
+              </a:rPr>
+              <a:t>sto</a:t>
+            </a:r>
+            <a:r>
+              <a:rPr lang="en-US" baseline="0" dirty="0" smtClean="0">
+                <a:solidFill>
+                  <a:schemeClr val="bg1">
+                    <a:lumMod val="50000"/>
+                  </a:schemeClr>
+                </a:solidFill>
+              </a:rPr>
+              <a:t> </a:t>
+            </a:r>
+            <a:r>
+              <a:rPr lang="en-US" baseline="0" dirty="0" err="1" smtClean="0">
+                <a:solidFill>
+                  <a:schemeClr val="bg1">
+                    <a:lumMod val="50000"/>
+                  </a:schemeClr>
+                </a:solidFill>
+              </a:rPr>
+              <a:t>imamo</a:t>
+            </a:r>
+            <a:r>
+              <a:rPr lang="en-US" baseline="0" dirty="0" smtClean="0">
+                <a:solidFill>
+                  <a:schemeClr val="bg1">
+                    <a:lumMod val="50000"/>
+                  </a:schemeClr>
+                </a:solidFill>
+              </a:rPr>
+              <a:t>. </a:t>
+            </a:r>
+            <a:r>
+              <a:rPr lang="en-US" baseline="0" dirty="0" err="1" smtClean="0">
+                <a:solidFill>
+                  <a:schemeClr val="bg1">
+                    <a:lumMod val="50000"/>
+                  </a:schemeClr>
+                </a:solidFill>
+              </a:rPr>
+              <a:t>Npr</a:t>
+            </a:r>
+            <a:r>
+              <a:rPr lang="en-US" baseline="0" dirty="0" smtClean="0">
+                <a:solidFill>
+                  <a:schemeClr val="bg1">
+                    <a:lumMod val="50000"/>
+                  </a:schemeClr>
+                </a:solidFill>
+              </a:rPr>
+              <a:t> </a:t>
+            </a:r>
+            <a:r>
+              <a:rPr lang="en-US" baseline="0" dirty="0" err="1" smtClean="0">
+                <a:solidFill>
+                  <a:schemeClr val="bg1">
+                    <a:lumMod val="50000"/>
+                  </a:schemeClr>
+                </a:solidFill>
+              </a:rPr>
+              <a:t>kad</a:t>
+            </a:r>
+            <a:r>
+              <a:rPr lang="en-US" baseline="0" dirty="0" smtClean="0">
+                <a:solidFill>
+                  <a:schemeClr val="bg1">
+                    <a:lumMod val="50000"/>
+                  </a:schemeClr>
+                </a:solidFill>
+              </a:rPr>
+              <a:t> </a:t>
+            </a:r>
+            <a:r>
+              <a:rPr lang="en-US" baseline="0" dirty="0" err="1" smtClean="0">
+                <a:solidFill>
+                  <a:schemeClr val="bg1">
+                    <a:lumMod val="50000"/>
+                  </a:schemeClr>
+                </a:solidFill>
+              </a:rPr>
+              <a:t>budemo</a:t>
+            </a:r>
+            <a:r>
+              <a:rPr lang="en-US" baseline="0" dirty="0" smtClean="0">
+                <a:solidFill>
+                  <a:schemeClr val="bg1">
+                    <a:lumMod val="50000"/>
+                  </a:schemeClr>
+                </a:solidFill>
+              </a:rPr>
+              <a:t> </a:t>
+            </a:r>
+            <a:r>
+              <a:rPr lang="en-US" baseline="0" dirty="0" err="1" smtClean="0">
+                <a:solidFill>
+                  <a:schemeClr val="bg1">
+                    <a:lumMod val="50000"/>
+                  </a:schemeClr>
+                </a:solidFill>
+              </a:rPr>
+              <a:t>imali</a:t>
+            </a:r>
+            <a:r>
+              <a:rPr lang="en-US" baseline="0" dirty="0" smtClean="0">
+                <a:solidFill>
+                  <a:schemeClr val="bg1">
+                    <a:lumMod val="50000"/>
+                  </a:schemeClr>
+                </a:solidFill>
+              </a:rPr>
+              <a:t> </a:t>
+            </a:r>
+            <a:r>
+              <a:rPr lang="en-US" baseline="0" dirty="0" err="1" smtClean="0">
+                <a:solidFill>
+                  <a:schemeClr val="bg1">
+                    <a:lumMod val="50000"/>
+                  </a:schemeClr>
+                </a:solidFill>
+              </a:rPr>
+              <a:t>korisnike</a:t>
+            </a:r>
+            <a:r>
+              <a:rPr lang="en-US" baseline="0" dirty="0" smtClean="0">
+                <a:solidFill>
+                  <a:schemeClr val="bg1">
+                    <a:lumMod val="50000"/>
+                  </a:schemeClr>
+                </a:solidFill>
+              </a:rPr>
+              <a:t> </a:t>
+            </a:r>
+            <a:r>
+              <a:rPr lang="en-US" baseline="0" dirty="0" err="1" smtClean="0">
+                <a:solidFill>
+                  <a:schemeClr val="bg1">
+                    <a:lumMod val="50000"/>
+                  </a:schemeClr>
+                </a:solidFill>
+              </a:rPr>
+              <a:t>koji</a:t>
+            </a:r>
+            <a:r>
+              <a:rPr lang="en-US" baseline="0" dirty="0" smtClean="0">
+                <a:solidFill>
+                  <a:schemeClr val="bg1">
+                    <a:lumMod val="50000"/>
+                  </a:schemeClr>
+                </a:solidFill>
+              </a:rPr>
+              <a:t> </a:t>
+            </a:r>
+            <a:r>
+              <a:rPr lang="en-US" baseline="0" dirty="0" err="1" smtClean="0">
+                <a:solidFill>
+                  <a:schemeClr val="bg1">
+                    <a:lumMod val="50000"/>
+                  </a:schemeClr>
+                </a:solidFill>
+              </a:rPr>
+              <a:t>ce</a:t>
+            </a:r>
+            <a:r>
+              <a:rPr lang="en-US" baseline="0" dirty="0" smtClean="0">
+                <a:solidFill>
+                  <a:schemeClr val="bg1">
+                    <a:lumMod val="50000"/>
+                  </a:schemeClr>
+                </a:solidFill>
+              </a:rPr>
+              <a:t> se </a:t>
+            </a:r>
+            <a:r>
+              <a:rPr lang="en-US" baseline="0" dirty="0" err="1" smtClean="0">
+                <a:solidFill>
+                  <a:schemeClr val="bg1">
+                    <a:lumMod val="50000"/>
+                  </a:schemeClr>
+                </a:solidFill>
+              </a:rPr>
+              <a:t>logovati</a:t>
+            </a:r>
+            <a:r>
+              <a:rPr lang="en-US" baseline="0" dirty="0" smtClean="0">
+                <a:solidFill>
+                  <a:schemeClr val="bg1">
+                    <a:lumMod val="50000"/>
+                  </a:schemeClr>
+                </a:solidFill>
+              </a:rPr>
+              <a:t>, </a:t>
+            </a:r>
+            <a:r>
+              <a:rPr lang="en-US" baseline="0" dirty="0" err="1" smtClean="0">
+                <a:solidFill>
+                  <a:schemeClr val="bg1">
+                    <a:lumMod val="50000"/>
+                  </a:schemeClr>
+                </a:solidFill>
+              </a:rPr>
+              <a:t>oni</a:t>
+            </a:r>
+            <a:r>
+              <a:rPr lang="en-US" baseline="0" dirty="0" smtClean="0">
+                <a:solidFill>
+                  <a:schemeClr val="bg1">
+                    <a:lumMod val="50000"/>
+                  </a:schemeClr>
+                </a:solidFill>
+              </a:rPr>
+              <a:t> ne </a:t>
+            </a:r>
+            <a:r>
+              <a:rPr lang="en-US" baseline="0" dirty="0" err="1" smtClean="0">
+                <a:solidFill>
+                  <a:schemeClr val="bg1">
+                    <a:lumMod val="50000"/>
+                  </a:schemeClr>
+                </a:solidFill>
+              </a:rPr>
+              <a:t>ulogovani</a:t>
+            </a:r>
+            <a:r>
+              <a:rPr lang="en-US" baseline="0" dirty="0" smtClean="0">
+                <a:solidFill>
+                  <a:schemeClr val="bg1">
+                    <a:lumMod val="50000"/>
+                  </a:schemeClr>
+                </a:solidFill>
+              </a:rPr>
+              <a:t> </a:t>
+            </a:r>
+            <a:r>
+              <a:rPr lang="en-US" baseline="0" dirty="0" err="1" smtClean="0">
+                <a:solidFill>
+                  <a:schemeClr val="bg1">
+                    <a:lumMod val="50000"/>
+                  </a:schemeClr>
+                </a:solidFill>
+              </a:rPr>
+              <a:t>ce</a:t>
+            </a:r>
+            <a:r>
+              <a:rPr lang="en-US" baseline="0" dirty="0" smtClean="0">
+                <a:solidFill>
+                  <a:schemeClr val="bg1">
+                    <a:lumMod val="50000"/>
+                  </a:schemeClr>
+                </a:solidFill>
+              </a:rPr>
+              <a:t> </a:t>
+            </a:r>
+            <a:r>
+              <a:rPr lang="en-US" baseline="0" dirty="0" err="1" smtClean="0">
+                <a:solidFill>
+                  <a:schemeClr val="bg1">
+                    <a:lumMod val="50000"/>
+                  </a:schemeClr>
+                </a:solidFill>
+              </a:rPr>
+              <a:t>imati</a:t>
+            </a:r>
+            <a:r>
+              <a:rPr lang="en-US" baseline="0" dirty="0" smtClean="0">
+                <a:solidFill>
+                  <a:schemeClr val="bg1">
+                    <a:lumMod val="50000"/>
+                  </a:schemeClr>
+                </a:solidFill>
+              </a:rPr>
+              <a:t> </a:t>
+            </a:r>
+            <a:r>
+              <a:rPr lang="en-US" baseline="0" dirty="0" err="1" smtClean="0">
+                <a:solidFill>
+                  <a:schemeClr val="bg1">
+                    <a:lumMod val="50000"/>
+                  </a:schemeClr>
+                </a:solidFill>
+              </a:rPr>
+              <a:t>samo</a:t>
+            </a:r>
+            <a:r>
+              <a:rPr lang="en-US" baseline="0" dirty="0" smtClean="0">
+                <a:solidFill>
+                  <a:schemeClr val="bg1">
+                    <a:lumMod val="50000"/>
+                  </a:schemeClr>
+                </a:solidFill>
+              </a:rPr>
+              <a:t> </a:t>
+            </a:r>
+            <a:r>
+              <a:rPr lang="en-US" baseline="0" dirty="0" err="1" smtClean="0">
+                <a:solidFill>
+                  <a:schemeClr val="bg1">
+                    <a:lumMod val="50000"/>
+                  </a:schemeClr>
+                </a:solidFill>
+              </a:rPr>
+              <a:t>privilegije</a:t>
+            </a:r>
+            <a:r>
+              <a:rPr lang="en-US" baseline="0" dirty="0" smtClean="0">
+                <a:solidFill>
+                  <a:schemeClr val="bg1">
+                    <a:lumMod val="50000"/>
+                  </a:schemeClr>
+                </a:solidFill>
+              </a:rPr>
+              <a:t> </a:t>
+            </a:r>
+            <a:r>
+              <a:rPr lang="en-US" baseline="0" dirty="0" err="1" smtClean="0">
+                <a:solidFill>
+                  <a:schemeClr val="bg1">
+                    <a:lumMod val="50000"/>
+                  </a:schemeClr>
+                </a:solidFill>
+              </a:rPr>
+              <a:t>za</a:t>
+            </a:r>
+            <a:r>
+              <a:rPr lang="en-US" baseline="0" dirty="0" smtClean="0">
+                <a:solidFill>
+                  <a:schemeClr val="bg1">
+                    <a:lumMod val="50000"/>
+                  </a:schemeClr>
+                </a:solidFill>
+              </a:rPr>
+              <a:t> </a:t>
+            </a:r>
+            <a:r>
+              <a:rPr lang="en-US" baseline="0" dirty="0" err="1" smtClean="0">
+                <a:solidFill>
+                  <a:schemeClr val="bg1">
+                    <a:lumMod val="50000"/>
+                  </a:schemeClr>
+                </a:solidFill>
+              </a:rPr>
+              <a:t>gledanje</a:t>
+            </a:r>
+            <a:r>
+              <a:rPr lang="en-US" baseline="0" dirty="0" smtClean="0">
+                <a:solidFill>
+                  <a:schemeClr val="bg1">
+                    <a:lumMod val="50000"/>
+                  </a:schemeClr>
+                </a:solidFill>
+              </a:rPr>
+              <a:t>.</a:t>
+            </a:r>
+            <a:endParaRPr lang="en-US" dirty="0" smtClean="0">
+              <a:solidFill>
+                <a:schemeClr val="bg1">
+                  <a:lumMod val="50000"/>
+                </a:schemeClr>
+              </a:solidFill>
+            </a:endParaRPr>
+          </a:p>
+          <a:p>
+            <a:r>
+              <a:rPr lang="en-US" dirty="0" smtClean="0">
+                <a:solidFill>
+                  <a:schemeClr val="bg1">
+                    <a:lumMod val="50000"/>
+                  </a:schemeClr>
+                </a:solidFill>
+              </a:rPr>
+              <a:t>	White labeling – u </a:t>
+            </a:r>
+            <a:r>
+              <a:rPr lang="en-US" dirty="0" err="1" smtClean="0">
+                <a:solidFill>
+                  <a:schemeClr val="bg1">
+                    <a:lumMod val="50000"/>
+                  </a:schemeClr>
+                </a:solidFill>
+              </a:rPr>
+              <a:t>zavisnosti</a:t>
+            </a:r>
+            <a:r>
+              <a:rPr lang="en-US" dirty="0" smtClean="0">
+                <a:solidFill>
+                  <a:schemeClr val="bg1">
+                    <a:lumMod val="50000"/>
+                  </a:schemeClr>
+                </a:solidFill>
+              </a:rPr>
+              <a:t> od </a:t>
+            </a:r>
+            <a:r>
+              <a:rPr lang="en-US" dirty="0" err="1" smtClean="0">
+                <a:solidFill>
+                  <a:schemeClr val="bg1">
+                    <a:lumMod val="50000"/>
+                  </a:schemeClr>
+                </a:solidFill>
+              </a:rPr>
+              <a:t>resellera</a:t>
+            </a:r>
+            <a:r>
+              <a:rPr lang="en-US" dirty="0" smtClean="0">
+                <a:solidFill>
+                  <a:schemeClr val="bg1">
+                    <a:lumMod val="50000"/>
+                  </a:schemeClr>
+                </a:solidFill>
+              </a:rPr>
+              <a:t> </a:t>
+            </a:r>
+            <a:r>
+              <a:rPr lang="en-US" dirty="0" err="1" smtClean="0">
+                <a:solidFill>
+                  <a:schemeClr val="bg1">
+                    <a:lumMod val="50000"/>
+                  </a:schemeClr>
+                </a:solidFill>
+              </a:rPr>
+              <a:t>moze</a:t>
+            </a:r>
+            <a:r>
+              <a:rPr lang="en-US" dirty="0" smtClean="0">
+                <a:solidFill>
+                  <a:schemeClr val="bg1">
+                    <a:lumMod val="50000"/>
+                  </a:schemeClr>
+                </a:solidFill>
+              </a:rPr>
+              <a:t> da </a:t>
+            </a:r>
+            <a:r>
+              <a:rPr lang="en-US" dirty="0" err="1" smtClean="0">
+                <a:solidFill>
+                  <a:schemeClr val="bg1">
+                    <a:lumMod val="50000"/>
+                  </a:schemeClr>
+                </a:solidFill>
+              </a:rPr>
+              <a:t>ima</a:t>
+            </a:r>
+            <a:r>
+              <a:rPr lang="en-US" dirty="0" smtClean="0">
+                <a:solidFill>
+                  <a:schemeClr val="bg1">
+                    <a:lumMod val="50000"/>
+                  </a:schemeClr>
+                </a:solidFill>
+              </a:rPr>
+              <a:t> </a:t>
+            </a:r>
+            <a:r>
+              <a:rPr lang="en-US" dirty="0" err="1" smtClean="0">
+                <a:solidFill>
+                  <a:schemeClr val="bg1">
+                    <a:lumMod val="50000"/>
+                  </a:schemeClr>
+                </a:solidFill>
+              </a:rPr>
+              <a:t>njegov</a:t>
+            </a:r>
+            <a:r>
+              <a:rPr lang="en-US" dirty="0" smtClean="0">
+                <a:solidFill>
+                  <a:schemeClr val="bg1">
+                    <a:lumMod val="50000"/>
+                  </a:schemeClr>
+                </a:solidFill>
+              </a:rPr>
+              <a:t> </a:t>
+            </a:r>
+            <a:r>
+              <a:rPr lang="en-US" dirty="0" err="1" smtClean="0">
+                <a:solidFill>
+                  <a:schemeClr val="bg1">
+                    <a:lumMod val="50000"/>
+                  </a:schemeClr>
+                </a:solidFill>
+              </a:rPr>
+              <a:t>stil</a:t>
+            </a:r>
+            <a:r>
+              <a:rPr lang="en-US" dirty="0" smtClean="0">
+                <a:solidFill>
+                  <a:schemeClr val="bg1">
+                    <a:lumMod val="50000"/>
+                  </a:schemeClr>
+                </a:solidFill>
+              </a:rPr>
+              <a:t>.</a:t>
+            </a:r>
+          </a:p>
+          <a:p>
+            <a:endParaRPr lang="en-US" dirty="0" smtClean="0">
+              <a:solidFill>
+                <a:schemeClr val="bg1">
+                  <a:lumMod val="50000"/>
+                </a:schemeClr>
+              </a:solidFill>
+            </a:endParaRPr>
+          </a:p>
+          <a:p>
+            <a:endParaRPr lang="en-US" dirty="0"/>
+          </a:p>
+        </p:txBody>
+      </p:sp>
+      <p:sp>
+        <p:nvSpPr>
+          <p:cNvPr id="4" name="Slide Number Placeholder 3"/>
+          <p:cNvSpPr>
+            <a:spLocks noGrp="1"/>
+          </p:cNvSpPr>
+          <p:nvPr>
+            <p:ph type="sldNum" sz="quarter" idx="10"/>
+          </p:nvPr>
+        </p:nvSpPr>
+        <p:spPr/>
+        <p:txBody>
+          <a:bodyPr/>
+          <a:lstStyle/>
+          <a:p>
+            <a:fld id="{1DA1A908-C954-476B-8322-3857564468F1}" type="slidenum">
+              <a:rPr lang="hr-HR" smtClean="0"/>
+              <a:t>2</a:t>
+            </a:fld>
+            <a:endParaRPr lang="hr-HR"/>
+          </a:p>
+        </p:txBody>
+      </p:sp>
+    </p:spTree>
+    <p:extLst>
+      <p:ext uri="{BB962C8B-B14F-4D97-AF65-F5344CB8AC3E}">
+        <p14:creationId xmlns:p14="http://schemas.microsoft.com/office/powerpoint/2010/main" val="3581628183"/>
       </p:ext>
     </p:extLst>
   </p:cSld>
@@ -4647,6 +6042,91 @@
           <a:bodyPr/>
           <a:lstStyle/>
           <a:p>
+            <a:r>
+              <a:rPr lang="en-US" dirty="0" smtClean="0">
+                <a:solidFill>
+                  <a:schemeClr val="bg1">
+                    <a:lumMod val="50000"/>
+                  </a:schemeClr>
+                </a:solidFill>
+              </a:rPr>
+              <a:t>CMS</a:t>
+            </a:r>
+          </a:p>
+          <a:p>
+            <a:r>
+              <a:rPr lang="en-US" dirty="0" smtClean="0">
+                <a:solidFill>
+                  <a:schemeClr val="bg1">
+                    <a:lumMod val="50000"/>
+                  </a:schemeClr>
+                </a:solidFill>
+              </a:rPr>
+              <a:t>API</a:t>
+            </a:r>
+          </a:p>
+          <a:p>
+            <a:r>
+              <a:rPr lang="en-US" dirty="0" smtClean="0">
+                <a:solidFill>
+                  <a:schemeClr val="bg1">
+                    <a:lumMod val="50000"/>
+                  </a:schemeClr>
+                </a:solidFill>
+              </a:rPr>
+              <a:t>Multi language support</a:t>
+            </a:r>
+          </a:p>
+          <a:p>
+            <a:r>
+              <a:rPr lang="en-US" dirty="0" smtClean="0">
+                <a:solidFill>
+                  <a:schemeClr val="bg1">
+                    <a:lumMod val="50000"/>
+                  </a:schemeClr>
+                </a:solidFill>
+              </a:rPr>
+              <a:t>Template support</a:t>
+            </a:r>
+          </a:p>
+          <a:p>
+            <a:r>
+              <a:rPr lang="en-US" dirty="0" smtClean="0">
+                <a:solidFill>
+                  <a:schemeClr val="bg1">
+                    <a:lumMod val="50000"/>
+                  </a:schemeClr>
+                </a:solidFill>
+              </a:rPr>
+              <a:t>Resellers support</a:t>
+            </a:r>
+          </a:p>
+          <a:p>
+            <a:r>
+              <a:rPr lang="en-US" dirty="0">
+                <a:solidFill>
+                  <a:schemeClr val="bg1">
+                    <a:lumMod val="50000"/>
+                  </a:schemeClr>
+                </a:solidFill>
+              </a:rPr>
+              <a:t>Help site</a:t>
+            </a:r>
+          </a:p>
+          <a:p>
+            <a:pPr lvl="1"/>
+            <a:r>
+              <a:rPr lang="en-US" dirty="0">
+                <a:solidFill>
+                  <a:schemeClr val="bg1">
+                    <a:lumMod val="50000"/>
+                  </a:schemeClr>
+                </a:solidFill>
+              </a:rPr>
+              <a:t>White labeling</a:t>
+            </a:r>
+          </a:p>
+          <a:p>
             <a:endParaRPr lang="hr-HR" dirty="0" smtClean="0">
               <a:solidFill>
                 <a:schemeClr val="bg1">
@@ -4654,27 +6134,6 @@
                 </a:schemeClr>
               </a:solidFill>
             </a:endParaRPr>
-          </a:p>
-          <a:p>
-            <a:endParaRPr lang="hr-HR" dirty="0" smtClean="0">
-              <a:solidFill>
-                <a:schemeClr val="bg1">
-                  <a:lumMod val="50000"/>
-                </a:schemeClr>
-              </a:solidFill>
-            </a:endParaRPr>
-          </a:p>
-          <a:p>
-            <a:r>
-              <a:rPr lang="hr-HR" dirty="0" smtClean="0">
-                <a:solidFill>
-                  <a:schemeClr val="bg1">
-                    <a:lumMod val="50000"/>
-                  </a:schemeClr>
-                </a:solidFill>
-              </a:rPr>
-              <a:t>Text</a:t>
-            </a:r>
           </a:p>
           <a:p>
             <a:endParaRPr lang="hr-HR" dirty="0" smtClean="0">
@@ -6815,6 +8274,27 @@
 
 <file path=customXml/item1.xml><?xml version="1.0" encoding="utf-8"?>
 <?mso-contentType ?>
+<FormTemplates xmlns="http://schemas.microsoft.com/sharepoint/v3/contenttype/forms">
+  <Display>DocumentLibraryForm</Display>
+  <Edit>DocumentLibraryForm</Edit>
+  <New>DocumentLibraryForm</New>
+</FormTemplates>
+</file>
+
+<file path=customXml/item2.xml><?xml version="1.0" encoding="utf-8"?>
+<p:properties xmlns:p="http://schemas.microsoft.com/office/2006/metadata/properties" xmlns:xsi="http://www.w3.org/2001/XMLSchema-instance" xmlns:pc="http://schemas.microsoft.com/office/infopath/2007/PartnerControls">
+  <documentManagement>
+    <_dlc_DocId xmlns="c52c5838-1c5b-486e-a0d4-6eb6baf9a701">VAFDPYZPPNN5-106-1</_dlc_DocId>
+    <_dlc_DocIdUrl xmlns="c52c5838-1c5b-486e-a0d4-6eb6baf9a701">
+      <Url>https://sp.infobip.com/Departments/marketing/Public/_layouts/DocIdRedir.aspx?ID=VAFDPYZPPNN5-106-1</Url>
+      <Description>VAFDPYZPPNN5-106-1</Description>
+    </_dlc_DocIdUrl>
+  </documentManagement>
+</p:properties>
+</file>
+
+<file path=customXml/item3.xml><?xml version="1.0" encoding="utf-8"?>
+<?mso-contentType ?>
 <spe:Receivers xmlns:spe="http://schemas.microsoft.com/sharepoint/events">
   <Receiver>
     <Name>Document ID Generator</Name>
@@ -6857,27 +8337,6 @@
     <Filter/>
   </Receiver>
 </spe:Receivers>
-</file>
-
-<file path=customXml/item2.xml><?xml version="1.0" encoding="utf-8"?>
-<p:properties xmlns:p="http://schemas.microsoft.com/office/2006/metadata/properties" xmlns:xsi="http://www.w3.org/2001/XMLSchema-instance" xmlns:pc="http://schemas.microsoft.com/office/infopath/2007/PartnerControls">
-  <documentManagement>
-    <_dlc_DocId xmlns="c52c5838-1c5b-486e-a0d4-6eb6baf9a701">VAFDPYZPPNN5-106-1</_dlc_DocId>
-    <_dlc_DocIdUrl xmlns="c52c5838-1c5b-486e-a0d4-6eb6baf9a701">
-      <Url>https://sp.infobip.com/Departments/marketing/Public/_layouts/DocIdRedir.aspx?ID=VAFDPYZPPNN5-106-1</Url>
-      <Description>VAFDPYZPPNN5-106-1</Description>
-    </_dlc_DocIdUrl>
-  </documentManagement>
-</p:properties>
-</file>
-
-<file path=customXml/item3.xml><?xml version="1.0" encoding="utf-8"?>
-<?mso-contentType ?>
-<FormTemplates xmlns="http://schemas.microsoft.com/sharepoint/v3/contenttype/forms">
-  <Display>DocumentLibraryForm</Display>
-  <Edit>DocumentLibraryForm</Edit>
-  <New>DocumentLibraryForm</New>
-</FormTemplates>
 </file>
 
 <file path=customXml/item4.xml><?xml version="1.0" encoding="utf-8"?>
@@ -7026,9 +8485,9 @@
 </file>
 
 <file path=customXml/itemProps1.xml><?xml version="1.0" encoding="utf-8"?>
-<ds:datastoreItem xmlns:ds="http://schemas.openxmlformats.org/officeDocument/2006/customXml" ds:itemID="{B7DDCED7-3EB7-46AE-8E0F-260013883F07}">
+<ds:datastoreItem xmlns:ds="http://schemas.openxmlformats.org/officeDocument/2006/customXml" ds:itemID="{ED7C8267-81AF-4271-82CB-55726BE669AD}">
   <ds:schemaRefs>
-    <ds:schemaRef ds:uri="http://schemas.microsoft.com/sharepoint/events"/>
+    <ds:schemaRef ds:uri="http://schemas.microsoft.com/sharepoint/v3/contenttype/forms"/>
   </ds:schemaRefs>
 </ds:datastoreItem>
 </file>
@@ -7050,9 +8509,9 @@
 </file>
 
 <file path=customXml/itemProps3.xml><?xml version="1.0" encoding="utf-8"?>
-<ds:datastoreItem xmlns:ds="http://schemas.openxmlformats.org/officeDocument/2006/customXml" ds:itemID="{ED7C8267-81AF-4271-82CB-55726BE669AD}">
+<ds:datastoreItem xmlns:ds="http://schemas.openxmlformats.org/officeDocument/2006/customXml" ds:itemID="{B7DDCED7-3EB7-46AE-8E0F-260013883F07}">
   <ds:schemaRefs>
-    <ds:schemaRef ds:uri="http://schemas.microsoft.com/sharepoint/v3/contenttype/forms"/>
+    <ds:schemaRef ds:uri="http://schemas.microsoft.com/sharepoint/events"/>
   </ds:schemaRefs>
 </ds:datastoreItem>
 </file>
